--- a/121402071.pptx
+++ b/121402071.pptx
@@ -208,7 +208,7 @@
           <a:p>
             <a:fld id="{F10A6F1E-F801-4F15-A7E1-5BC99120ACFB}" type="datetimeFigureOut">
               <a:rPr lang="en-US" smtClean="0"/>
-              <a:t>1/6/2017</a:t>
+              <a:t>1/12/2017</a:t>
             </a:fld>
             <a:endParaRPr lang="en-US"/>
           </a:p>
@@ -898,7 +898,7 @@
             <a:fld id="{87DE6118-2437-4B30-8E3C-4D2BE6020583}" type="datetimeFigureOut">
               <a:rPr lang="en-US" dirty="0"/>
               <a:pPr/>
-              <a:t>1/6/2017</a:t>
+              <a:t>1/12/2017</a:t>
             </a:fld>
             <a:endParaRPr lang="en-US" dirty="0"/>
           </a:p>
@@ -1224,7 +1224,7 @@
           <a:p>
             <a:fld id="{87DE6118-2437-4B30-8E3C-4D2BE6020583}" type="datetimeFigureOut">
               <a:rPr lang="en-US" dirty="0"/>
-              <a:t>1/6/2017</a:t>
+              <a:t>1/12/2017</a:t>
             </a:fld>
             <a:endParaRPr lang="en-US" dirty="0"/>
           </a:p>
@@ -1399,7 +1399,7 @@
           <a:p>
             <a:fld id="{87DE6118-2437-4B30-8E3C-4D2BE6020583}" type="datetimeFigureOut">
               <a:rPr lang="en-US" dirty="0"/>
-              <a:t>1/6/2017</a:t>
+              <a:t>1/12/2017</a:t>
             </a:fld>
             <a:endParaRPr lang="en-US" dirty="0"/>
           </a:p>
@@ -1564,7 +1564,7 @@
           <a:p>
             <a:fld id="{87DE6118-2437-4B30-8E3C-4D2BE6020583}" type="datetimeFigureOut">
               <a:rPr lang="en-US" dirty="0"/>
-              <a:t>1/6/2017</a:t>
+              <a:t>1/12/2017</a:t>
             </a:fld>
             <a:endParaRPr lang="en-US" dirty="0"/>
           </a:p>
@@ -1837,7 +1837,7 @@
             <a:fld id="{87DE6118-2437-4B30-8E3C-4D2BE6020583}" type="datetimeFigureOut">
               <a:rPr lang="en-US" dirty="0"/>
               <a:pPr/>
-              <a:t>1/6/2017</a:t>
+              <a:t>1/12/2017</a:t>
             </a:fld>
             <a:endParaRPr lang="en-US" dirty="0"/>
           </a:p>
@@ -2227,7 +2227,7 @@
           <a:p>
             <a:fld id="{87DE6118-2437-4B30-8E3C-4D2BE6020583}" type="datetimeFigureOut">
               <a:rPr lang="en-US" dirty="0"/>
-              <a:t>1/6/2017</a:t>
+              <a:t>1/12/2017</a:t>
             </a:fld>
             <a:endParaRPr lang="en-US" dirty="0"/>
           </a:p>
@@ -2699,7 +2699,7 @@
           <a:p>
             <a:fld id="{87DE6118-2437-4B30-8E3C-4D2BE6020583}" type="datetimeFigureOut">
               <a:rPr lang="en-US" dirty="0"/>
-              <a:t>1/6/2017</a:t>
+              <a:t>1/12/2017</a:t>
             </a:fld>
             <a:endParaRPr lang="en-US" dirty="0"/>
           </a:p>
@@ -2812,7 +2812,7 @@
           <a:p>
             <a:fld id="{87DE6118-2437-4B30-8E3C-4D2BE6020583}" type="datetimeFigureOut">
               <a:rPr lang="en-US" dirty="0"/>
-              <a:t>1/6/2017</a:t>
+              <a:t>1/12/2017</a:t>
             </a:fld>
             <a:endParaRPr lang="en-US" dirty="0"/>
           </a:p>
@@ -2902,7 +2902,7 @@
           <a:p>
             <a:fld id="{87DE6118-2437-4B30-8E3C-4D2BE6020583}" type="datetimeFigureOut">
               <a:rPr lang="en-US" dirty="0"/>
-              <a:t>1/6/2017</a:t>
+              <a:t>1/12/2017</a:t>
             </a:fld>
             <a:endParaRPr lang="en-US" dirty="0"/>
           </a:p>
@@ -3244,7 +3244,7 @@
             <a:fld id="{87DE6118-2437-4B30-8E3C-4D2BE6020583}" type="datetimeFigureOut">
               <a:rPr lang="en-US" dirty="0"/>
               <a:pPr/>
-              <a:t>1/6/2017</a:t>
+              <a:t>1/12/2017</a:t>
             </a:fld>
             <a:endParaRPr lang="en-US" dirty="0"/>
           </a:p>
@@ -3629,7 +3629,7 @@
             <a:fld id="{87DE6118-2437-4B30-8E3C-4D2BE6020583}" type="datetimeFigureOut">
               <a:rPr lang="en-US" dirty="0"/>
               <a:pPr/>
-              <a:t>1/6/2017</a:t>
+              <a:t>1/12/2017</a:t>
             </a:fld>
             <a:endParaRPr lang="en-US" dirty="0"/>
           </a:p>
@@ -3904,7 +3904,7 @@
             <a:fld id="{87DE6118-2437-4B30-8E3C-4D2BE6020583}" type="datetimeFigureOut">
               <a:rPr lang="en-US" dirty="0"/>
               <a:pPr/>
-              <a:t>1/6/2017</a:t>
+              <a:t>1/12/2017</a:t>
             </a:fld>
             <a:endParaRPr lang="en-US" dirty="0"/>
           </a:p>
@@ -4500,14 +4500,13 @@
           <a:p>
             <a:r>
               <a:rPr lang="en-US" sz="1800" dirty="0" smtClean="0"/>
-              <a:t>Eric Suwarno</a:t>
-            </a:r>
-          </a:p>
-          <a:p>
+              <a:t>Eric </a:t>
+            </a:r>
             <a:r>
               <a:rPr lang="en-US" sz="1800" dirty="0" smtClean="0"/>
-              <a:t>121402071</a:t>
-            </a:r>
+              <a:t>Suwarno (121402071)</a:t>
+            </a:r>
+            <a:endParaRPr lang="en-US" sz="1800" dirty="0" smtClean="0"/>
           </a:p>
           <a:p>
             <a:r>
@@ -4778,7 +4777,7 @@
           <a:graphicData uri="http://schemas.openxmlformats.org/presentationml/2006/ole">
             <mc:AlternateContent xmlns:mc="http://schemas.openxmlformats.org/markup-compatibility/2006">
               <mc:Choice xmlns:v="urn:schemas-microsoft-com:vml" Requires="v">
-                <p:oleObj spid="_x0000_s2062" name="Visio" r:id="rId3" imgW="9963004" imgH="5686517" progId="Visio.Drawing.15">
+                <p:oleObj spid="_x0000_s2071" name="Visio" r:id="rId3" imgW="9963004" imgH="5686517" progId="Visio.Drawing.15">
                   <p:embed/>
                 </p:oleObj>
               </mc:Choice>
@@ -4993,7 +4992,7 @@
           <a:graphicData uri="http://schemas.openxmlformats.org/presentationml/2006/ole">
             <mc:AlternateContent xmlns:mc="http://schemas.openxmlformats.org/markup-compatibility/2006">
               <mc:Choice xmlns:v="urn:schemas-microsoft-com:vml" Requires="v">
-                <p:oleObj spid="_x0000_s3086" name="Visio" r:id="rId3" imgW="7572574" imgH="10705985" progId="Visio.Drawing.15">
+                <p:oleObj spid="_x0000_s3095" name="Visio" r:id="rId3" imgW="7572574" imgH="10705985" progId="Visio.Drawing.15">
                   <p:embed/>
                 </p:oleObj>
               </mc:Choice>
@@ -5230,7 +5229,11 @@
           <a:p>
             <a:r>
               <a:rPr lang="id-ID" dirty="0" smtClean="0"/>
-              <a:t>Metodologi Penelitian</a:t>
+              <a:t>Metodologi </a:t>
+            </a:r>
+            <a:r>
+              <a:rPr lang="id-ID" dirty="0" smtClean="0"/>
+              <a:t>Penelitian</a:t>
             </a:r>
             <a:endParaRPr lang="en-US" dirty="0"/>
           </a:p>
@@ -5249,7 +5252,457 @@
   <p:timing>
     <p:tnLst>
       <p:par>
-        <p:cTn id="1" dur="indefinite" restart="never" nodeType="tmRoot"/>
+        <p:cTn id="1" dur="indefinite" restart="never" nodeType="tmRoot">
+          <p:childTnLst>
+            <p:seq concurrent="1" nextAc="seek">
+              <p:cTn id="2" dur="indefinite" nodeType="mainSeq">
+                <p:childTnLst>
+                  <p:par>
+                    <p:cTn id="3" fill="hold">
+                      <p:stCondLst>
+                        <p:cond delay="indefinite"/>
+                      </p:stCondLst>
+                      <p:childTnLst>
+                        <p:par>
+                          <p:cTn id="4" fill="hold">
+                            <p:stCondLst>
+                              <p:cond delay="0"/>
+                            </p:stCondLst>
+                            <p:childTnLst>
+                              <p:par>
+                                <p:cTn id="5" presetID="10" presetClass="entr" presetSubtype="0" fill="hold" nodeType="clickEffect">
+                                  <p:stCondLst>
+                                    <p:cond delay="0"/>
+                                  </p:stCondLst>
+                                  <p:childTnLst>
+                                    <p:set>
+                                      <p:cBhvr>
+                                        <p:cTn id="6" dur="1" fill="hold">
+                                          <p:stCondLst>
+                                            <p:cond delay="0"/>
+                                          </p:stCondLst>
+                                        </p:cTn>
+                                        <p:tgtEl>
+                                          <p:spTgt spid="3">
+                                            <p:txEl>
+                                              <p:pRg st="0" end="0"/>
+                                            </p:txEl>
+                                          </p:spTgt>
+                                        </p:tgtEl>
+                                        <p:attrNameLst>
+                                          <p:attrName>style.visibility</p:attrName>
+                                        </p:attrNameLst>
+                                      </p:cBhvr>
+                                      <p:to>
+                                        <p:strVal val="visible"/>
+                                      </p:to>
+                                    </p:set>
+                                    <p:animEffect transition="in" filter="fade">
+                                      <p:cBhvr>
+                                        <p:cTn id="7" dur="500"/>
+                                        <p:tgtEl>
+                                          <p:spTgt spid="3">
+                                            <p:txEl>
+                                              <p:pRg st="0" end="0"/>
+                                            </p:txEl>
+                                          </p:spTgt>
+                                        </p:tgtEl>
+                                      </p:cBhvr>
+                                    </p:animEffect>
+                                  </p:childTnLst>
+                                </p:cTn>
+                              </p:par>
+                            </p:childTnLst>
+                          </p:cTn>
+                        </p:par>
+                      </p:childTnLst>
+                    </p:cTn>
+                  </p:par>
+                  <p:par>
+                    <p:cTn id="8" fill="hold">
+                      <p:stCondLst>
+                        <p:cond delay="indefinite"/>
+                      </p:stCondLst>
+                      <p:childTnLst>
+                        <p:par>
+                          <p:cTn id="9" fill="hold">
+                            <p:stCondLst>
+                              <p:cond delay="0"/>
+                            </p:stCondLst>
+                            <p:childTnLst>
+                              <p:par>
+                                <p:cTn id="10" presetID="10" presetClass="entr" presetSubtype="0" fill="hold" nodeType="clickEffect">
+                                  <p:stCondLst>
+                                    <p:cond delay="0"/>
+                                  </p:stCondLst>
+                                  <p:childTnLst>
+                                    <p:set>
+                                      <p:cBhvr>
+                                        <p:cTn id="11" dur="1" fill="hold">
+                                          <p:stCondLst>
+                                            <p:cond delay="0"/>
+                                          </p:stCondLst>
+                                        </p:cTn>
+                                        <p:tgtEl>
+                                          <p:spTgt spid="3">
+                                            <p:txEl>
+                                              <p:pRg st="1" end="1"/>
+                                            </p:txEl>
+                                          </p:spTgt>
+                                        </p:tgtEl>
+                                        <p:attrNameLst>
+                                          <p:attrName>style.visibility</p:attrName>
+                                        </p:attrNameLst>
+                                      </p:cBhvr>
+                                      <p:to>
+                                        <p:strVal val="visible"/>
+                                      </p:to>
+                                    </p:set>
+                                    <p:animEffect transition="in" filter="fade">
+                                      <p:cBhvr>
+                                        <p:cTn id="12" dur="500"/>
+                                        <p:tgtEl>
+                                          <p:spTgt spid="3">
+                                            <p:txEl>
+                                              <p:pRg st="1" end="1"/>
+                                            </p:txEl>
+                                          </p:spTgt>
+                                        </p:tgtEl>
+                                      </p:cBhvr>
+                                    </p:animEffect>
+                                  </p:childTnLst>
+                                </p:cTn>
+                              </p:par>
+                            </p:childTnLst>
+                          </p:cTn>
+                        </p:par>
+                      </p:childTnLst>
+                    </p:cTn>
+                  </p:par>
+                  <p:par>
+                    <p:cTn id="13" fill="hold">
+                      <p:stCondLst>
+                        <p:cond delay="indefinite"/>
+                      </p:stCondLst>
+                      <p:childTnLst>
+                        <p:par>
+                          <p:cTn id="14" fill="hold">
+                            <p:stCondLst>
+                              <p:cond delay="0"/>
+                            </p:stCondLst>
+                            <p:childTnLst>
+                              <p:par>
+                                <p:cTn id="15" presetID="10" presetClass="entr" presetSubtype="0" fill="hold" nodeType="clickEffect">
+                                  <p:stCondLst>
+                                    <p:cond delay="0"/>
+                                  </p:stCondLst>
+                                  <p:childTnLst>
+                                    <p:set>
+                                      <p:cBhvr>
+                                        <p:cTn id="16" dur="1" fill="hold">
+                                          <p:stCondLst>
+                                            <p:cond delay="0"/>
+                                          </p:stCondLst>
+                                        </p:cTn>
+                                        <p:tgtEl>
+                                          <p:spTgt spid="3">
+                                            <p:txEl>
+                                              <p:pRg st="2" end="2"/>
+                                            </p:txEl>
+                                          </p:spTgt>
+                                        </p:tgtEl>
+                                        <p:attrNameLst>
+                                          <p:attrName>style.visibility</p:attrName>
+                                        </p:attrNameLst>
+                                      </p:cBhvr>
+                                      <p:to>
+                                        <p:strVal val="visible"/>
+                                      </p:to>
+                                    </p:set>
+                                    <p:animEffect transition="in" filter="fade">
+                                      <p:cBhvr>
+                                        <p:cTn id="17" dur="500"/>
+                                        <p:tgtEl>
+                                          <p:spTgt spid="3">
+                                            <p:txEl>
+                                              <p:pRg st="2" end="2"/>
+                                            </p:txEl>
+                                          </p:spTgt>
+                                        </p:tgtEl>
+                                      </p:cBhvr>
+                                    </p:animEffect>
+                                  </p:childTnLst>
+                                </p:cTn>
+                              </p:par>
+                            </p:childTnLst>
+                          </p:cTn>
+                        </p:par>
+                      </p:childTnLst>
+                    </p:cTn>
+                  </p:par>
+                  <p:par>
+                    <p:cTn id="18" fill="hold">
+                      <p:stCondLst>
+                        <p:cond delay="indefinite"/>
+                      </p:stCondLst>
+                      <p:childTnLst>
+                        <p:par>
+                          <p:cTn id="19" fill="hold">
+                            <p:stCondLst>
+                              <p:cond delay="0"/>
+                            </p:stCondLst>
+                            <p:childTnLst>
+                              <p:par>
+                                <p:cTn id="20" presetID="10" presetClass="entr" presetSubtype="0" fill="hold" nodeType="clickEffect">
+                                  <p:stCondLst>
+                                    <p:cond delay="0"/>
+                                  </p:stCondLst>
+                                  <p:childTnLst>
+                                    <p:set>
+                                      <p:cBhvr>
+                                        <p:cTn id="21" dur="1" fill="hold">
+                                          <p:stCondLst>
+                                            <p:cond delay="0"/>
+                                          </p:stCondLst>
+                                        </p:cTn>
+                                        <p:tgtEl>
+                                          <p:spTgt spid="3">
+                                            <p:txEl>
+                                              <p:pRg st="3" end="3"/>
+                                            </p:txEl>
+                                          </p:spTgt>
+                                        </p:tgtEl>
+                                        <p:attrNameLst>
+                                          <p:attrName>style.visibility</p:attrName>
+                                        </p:attrNameLst>
+                                      </p:cBhvr>
+                                      <p:to>
+                                        <p:strVal val="visible"/>
+                                      </p:to>
+                                    </p:set>
+                                    <p:animEffect transition="in" filter="fade">
+                                      <p:cBhvr>
+                                        <p:cTn id="22" dur="500"/>
+                                        <p:tgtEl>
+                                          <p:spTgt spid="3">
+                                            <p:txEl>
+                                              <p:pRg st="3" end="3"/>
+                                            </p:txEl>
+                                          </p:spTgt>
+                                        </p:tgtEl>
+                                      </p:cBhvr>
+                                    </p:animEffect>
+                                  </p:childTnLst>
+                                </p:cTn>
+                              </p:par>
+                            </p:childTnLst>
+                          </p:cTn>
+                        </p:par>
+                      </p:childTnLst>
+                    </p:cTn>
+                  </p:par>
+                  <p:par>
+                    <p:cTn id="23" fill="hold">
+                      <p:stCondLst>
+                        <p:cond delay="indefinite"/>
+                      </p:stCondLst>
+                      <p:childTnLst>
+                        <p:par>
+                          <p:cTn id="24" fill="hold">
+                            <p:stCondLst>
+                              <p:cond delay="0"/>
+                            </p:stCondLst>
+                            <p:childTnLst>
+                              <p:par>
+                                <p:cTn id="25" presetID="10" presetClass="entr" presetSubtype="0" fill="hold" nodeType="clickEffect">
+                                  <p:stCondLst>
+                                    <p:cond delay="0"/>
+                                  </p:stCondLst>
+                                  <p:childTnLst>
+                                    <p:set>
+                                      <p:cBhvr>
+                                        <p:cTn id="26" dur="1" fill="hold">
+                                          <p:stCondLst>
+                                            <p:cond delay="0"/>
+                                          </p:stCondLst>
+                                        </p:cTn>
+                                        <p:tgtEl>
+                                          <p:spTgt spid="3">
+                                            <p:txEl>
+                                              <p:pRg st="4" end="4"/>
+                                            </p:txEl>
+                                          </p:spTgt>
+                                        </p:tgtEl>
+                                        <p:attrNameLst>
+                                          <p:attrName>style.visibility</p:attrName>
+                                        </p:attrNameLst>
+                                      </p:cBhvr>
+                                      <p:to>
+                                        <p:strVal val="visible"/>
+                                      </p:to>
+                                    </p:set>
+                                    <p:animEffect transition="in" filter="fade">
+                                      <p:cBhvr>
+                                        <p:cTn id="27" dur="500"/>
+                                        <p:tgtEl>
+                                          <p:spTgt spid="3">
+                                            <p:txEl>
+                                              <p:pRg st="4" end="4"/>
+                                            </p:txEl>
+                                          </p:spTgt>
+                                        </p:tgtEl>
+                                      </p:cBhvr>
+                                    </p:animEffect>
+                                  </p:childTnLst>
+                                </p:cTn>
+                              </p:par>
+                            </p:childTnLst>
+                          </p:cTn>
+                        </p:par>
+                      </p:childTnLst>
+                    </p:cTn>
+                  </p:par>
+                  <p:par>
+                    <p:cTn id="28" fill="hold">
+                      <p:stCondLst>
+                        <p:cond delay="indefinite"/>
+                      </p:stCondLst>
+                      <p:childTnLst>
+                        <p:par>
+                          <p:cTn id="29" fill="hold">
+                            <p:stCondLst>
+                              <p:cond delay="0"/>
+                            </p:stCondLst>
+                            <p:childTnLst>
+                              <p:par>
+                                <p:cTn id="30" presetID="10" presetClass="entr" presetSubtype="0" fill="hold" nodeType="clickEffect">
+                                  <p:stCondLst>
+                                    <p:cond delay="0"/>
+                                  </p:stCondLst>
+                                  <p:childTnLst>
+                                    <p:set>
+                                      <p:cBhvr>
+                                        <p:cTn id="31" dur="1" fill="hold">
+                                          <p:stCondLst>
+                                            <p:cond delay="0"/>
+                                          </p:stCondLst>
+                                        </p:cTn>
+                                        <p:tgtEl>
+                                          <p:spTgt spid="3">
+                                            <p:txEl>
+                                              <p:pRg st="5" end="5"/>
+                                            </p:txEl>
+                                          </p:spTgt>
+                                        </p:tgtEl>
+                                        <p:attrNameLst>
+                                          <p:attrName>style.visibility</p:attrName>
+                                        </p:attrNameLst>
+                                      </p:cBhvr>
+                                      <p:to>
+                                        <p:strVal val="visible"/>
+                                      </p:to>
+                                    </p:set>
+                                    <p:animEffect transition="in" filter="fade">
+                                      <p:cBhvr>
+                                        <p:cTn id="32" dur="500"/>
+                                        <p:tgtEl>
+                                          <p:spTgt spid="3">
+                                            <p:txEl>
+                                              <p:pRg st="5" end="5"/>
+                                            </p:txEl>
+                                          </p:spTgt>
+                                        </p:tgtEl>
+                                      </p:cBhvr>
+                                    </p:animEffect>
+                                  </p:childTnLst>
+                                </p:cTn>
+                              </p:par>
+                            </p:childTnLst>
+                          </p:cTn>
+                        </p:par>
+                      </p:childTnLst>
+                    </p:cTn>
+                  </p:par>
+                  <p:par>
+                    <p:cTn id="33" fill="hold">
+                      <p:stCondLst>
+                        <p:cond delay="indefinite"/>
+                      </p:stCondLst>
+                      <p:childTnLst>
+                        <p:par>
+                          <p:cTn id="34" fill="hold">
+                            <p:stCondLst>
+                              <p:cond delay="0"/>
+                            </p:stCondLst>
+                            <p:childTnLst>
+                              <p:par>
+                                <p:cTn id="35" presetID="10" presetClass="entr" presetSubtype="0" fill="hold" nodeType="clickEffect">
+                                  <p:stCondLst>
+                                    <p:cond delay="0"/>
+                                  </p:stCondLst>
+                                  <p:childTnLst>
+                                    <p:set>
+                                      <p:cBhvr>
+                                        <p:cTn id="36" dur="1" fill="hold">
+                                          <p:stCondLst>
+                                            <p:cond delay="0"/>
+                                          </p:stCondLst>
+                                        </p:cTn>
+                                        <p:tgtEl>
+                                          <p:spTgt spid="3">
+                                            <p:txEl>
+                                              <p:pRg st="6" end="6"/>
+                                            </p:txEl>
+                                          </p:spTgt>
+                                        </p:tgtEl>
+                                        <p:attrNameLst>
+                                          <p:attrName>style.visibility</p:attrName>
+                                        </p:attrNameLst>
+                                      </p:cBhvr>
+                                      <p:to>
+                                        <p:strVal val="visible"/>
+                                      </p:to>
+                                    </p:set>
+                                    <p:animEffect transition="in" filter="fade">
+                                      <p:cBhvr>
+                                        <p:cTn id="37" dur="500"/>
+                                        <p:tgtEl>
+                                          <p:spTgt spid="3">
+                                            <p:txEl>
+                                              <p:pRg st="6" end="6"/>
+                                            </p:txEl>
+                                          </p:spTgt>
+                                        </p:tgtEl>
+                                      </p:cBhvr>
+                                    </p:animEffect>
+                                  </p:childTnLst>
+                                </p:cTn>
+                              </p:par>
+                            </p:childTnLst>
+                          </p:cTn>
+                        </p:par>
+                      </p:childTnLst>
+                    </p:cTn>
+                  </p:par>
+                </p:childTnLst>
+              </p:cTn>
+              <p:prevCondLst>
+                <p:cond evt="onPrev" delay="0">
+                  <p:tgtEl>
+                    <p:sldTgt/>
+                  </p:tgtEl>
+                </p:cond>
+              </p:prevCondLst>
+              <p:nextCondLst>
+                <p:cond evt="onNext" delay="0">
+                  <p:tgtEl>
+                    <p:sldTgt/>
+                  </p:tgtEl>
+                </p:cond>
+              </p:nextCondLst>
+            </p:seq>
+          </p:childTnLst>
+        </p:cTn>
       </p:par>
     </p:tnLst>
   </p:timing>
@@ -5343,11 +5796,7 @@
             </a:pPr>
             <a:r>
               <a:rPr lang="id-ID" sz="2400" dirty="0" smtClean="0"/>
-              <a:t>Pengukuran kualitas air dilakukan secara </a:t>
-            </a:r>
-            <a:r>
-              <a:rPr lang="id-ID" sz="2400" dirty="0" smtClean="0"/>
-              <a:t>konvensional</a:t>
+              <a:t>Pengukuran kualitas air dilakukan secara konvensional</a:t>
             </a:r>
             <a:endParaRPr lang="en-US" sz="2400" dirty="0" smtClean="0"/>
           </a:p>
@@ -5372,7 +5821,6 @@
               <a:rPr lang="id-ID" sz="2400" dirty="0" smtClean="0"/>
               <a:t>Kebutuhan akan proses klasifikasi kualitas air dengan waktu komputasi dan akurasi yang baik</a:t>
             </a:r>
-            <a:endParaRPr lang="id-ID" sz="2400" dirty="0" smtClean="0"/>
           </a:p>
         </p:txBody>
       </p:sp>
@@ -6580,7 +7028,7 @@
         </p:nvGraphicFramePr>
         <p:xfrm>
           <a:off x="1371600" y="1428750"/>
-          <a:ext cx="10361053" cy="5018349"/>
+          <a:ext cx="10361053" cy="5232660"/>
         </p:xfrm>
         <a:graphic>
           <a:graphicData uri="http://schemas.openxmlformats.org/drawingml/2006/table">

--- a/121402071.pptx
+++ b/121402071.pptx
@@ -208,7 +208,7 @@
           <a:p>
             <a:fld id="{F10A6F1E-F801-4F15-A7E1-5BC99120ACFB}" type="datetimeFigureOut">
               <a:rPr lang="en-US" smtClean="0"/>
-              <a:t>1/12/2017</a:t>
+              <a:t>1/13/2017</a:t>
             </a:fld>
             <a:endParaRPr lang="en-US"/>
           </a:p>
@@ -560,6 +560,258 @@
 </p:notes>
 </file>
 
+<file path=ppt/notesSlides/notesSlide10.xml><?xml version="1.0" encoding="utf-8"?>
+<p:notes xmlns:a="http://schemas.openxmlformats.org/drawingml/2006/main" xmlns:r="http://schemas.openxmlformats.org/officeDocument/2006/relationships" xmlns:p="http://schemas.openxmlformats.org/presentationml/2006/main">
+  <p:cSld>
+    <p:spTree>
+      <p:nvGrpSpPr>
+        <p:cNvPr id="1" name=""/>
+        <p:cNvGrpSpPr/>
+        <p:nvPr/>
+      </p:nvGrpSpPr>
+      <p:grpSpPr>
+        <a:xfrm>
+          <a:off x="0" y="0"/>
+          <a:ext cx="0" cy="0"/>
+          <a:chOff x="0" y="0"/>
+          <a:chExt cx="0" cy="0"/>
+        </a:xfrm>
+      </p:grpSpPr>
+      <p:sp>
+        <p:nvSpPr>
+          <p:cNvPr id="2" name="Slide Image Placeholder 1"/>
+          <p:cNvSpPr>
+            <a:spLocks noGrp="1" noRot="1" noChangeAspect="1"/>
+          </p:cNvSpPr>
+          <p:nvPr>
+            <p:ph type="sldImg"/>
+          </p:nvPr>
+        </p:nvSpPr>
+        <p:spPr/>
+      </p:sp>
+      <p:sp>
+        <p:nvSpPr>
+          <p:cNvPr id="3" name="Notes Placeholder 2"/>
+          <p:cNvSpPr>
+            <a:spLocks noGrp="1"/>
+          </p:cNvSpPr>
+          <p:nvPr>
+            <p:ph type="body" idx="1"/>
+          </p:nvPr>
+        </p:nvSpPr>
+        <p:spPr/>
+        <p:txBody>
+          <a:bodyPr/>
+          <a:lstStyle/>
+          <a:p>
+            <a:endParaRPr lang="en-US"/>
+          </a:p>
+        </p:txBody>
+      </p:sp>
+      <p:sp>
+        <p:nvSpPr>
+          <p:cNvPr id="4" name="Slide Number Placeholder 3"/>
+          <p:cNvSpPr>
+            <a:spLocks noGrp="1"/>
+          </p:cNvSpPr>
+          <p:nvPr>
+            <p:ph type="sldNum" sz="quarter" idx="10"/>
+          </p:nvPr>
+        </p:nvSpPr>
+        <p:spPr/>
+        <p:txBody>
+          <a:bodyPr/>
+          <a:lstStyle/>
+          <a:p>
+            <a:fld id="{27D5DCA7-69E1-4DC8-84E2-705DAE616C7E}" type="slidenum">
+              <a:rPr lang="en-US" smtClean="0"/>
+              <a:t>10</a:t>
+            </a:fld>
+            <a:endParaRPr lang="en-US"/>
+          </a:p>
+        </p:txBody>
+      </p:sp>
+    </p:spTree>
+    <p:extLst>
+      <p:ext uri="{BB962C8B-B14F-4D97-AF65-F5344CB8AC3E}">
+        <p14:creationId xmlns:p14="http://schemas.microsoft.com/office/powerpoint/2010/main" val="221090792"/>
+      </p:ext>
+    </p:extLst>
+  </p:cSld>
+  <p:clrMapOvr>
+    <a:masterClrMapping/>
+  </p:clrMapOvr>
+</p:notes>
+</file>
+
+<file path=ppt/notesSlides/notesSlide11.xml><?xml version="1.0" encoding="utf-8"?>
+<p:notes xmlns:a="http://schemas.openxmlformats.org/drawingml/2006/main" xmlns:r="http://schemas.openxmlformats.org/officeDocument/2006/relationships" xmlns:p="http://schemas.openxmlformats.org/presentationml/2006/main">
+  <p:cSld>
+    <p:spTree>
+      <p:nvGrpSpPr>
+        <p:cNvPr id="1" name=""/>
+        <p:cNvGrpSpPr/>
+        <p:nvPr/>
+      </p:nvGrpSpPr>
+      <p:grpSpPr>
+        <a:xfrm>
+          <a:off x="0" y="0"/>
+          <a:ext cx="0" cy="0"/>
+          <a:chOff x="0" y="0"/>
+          <a:chExt cx="0" cy="0"/>
+        </a:xfrm>
+      </p:grpSpPr>
+      <p:sp>
+        <p:nvSpPr>
+          <p:cNvPr id="2" name="Slide Image Placeholder 1"/>
+          <p:cNvSpPr>
+            <a:spLocks noGrp="1" noRot="1" noChangeAspect="1"/>
+          </p:cNvSpPr>
+          <p:nvPr>
+            <p:ph type="sldImg"/>
+          </p:nvPr>
+        </p:nvSpPr>
+        <p:spPr/>
+      </p:sp>
+      <p:sp>
+        <p:nvSpPr>
+          <p:cNvPr id="3" name="Notes Placeholder 2"/>
+          <p:cNvSpPr>
+            <a:spLocks noGrp="1"/>
+          </p:cNvSpPr>
+          <p:nvPr>
+            <p:ph type="body" idx="1"/>
+          </p:nvPr>
+        </p:nvSpPr>
+        <p:spPr/>
+        <p:txBody>
+          <a:bodyPr/>
+          <a:lstStyle/>
+          <a:p>
+            <a:endParaRPr lang="en-US"/>
+          </a:p>
+        </p:txBody>
+      </p:sp>
+      <p:sp>
+        <p:nvSpPr>
+          <p:cNvPr id="4" name="Slide Number Placeholder 3"/>
+          <p:cNvSpPr>
+            <a:spLocks noGrp="1"/>
+          </p:cNvSpPr>
+          <p:nvPr>
+            <p:ph type="sldNum" sz="quarter" idx="10"/>
+          </p:nvPr>
+        </p:nvSpPr>
+        <p:spPr/>
+        <p:txBody>
+          <a:bodyPr/>
+          <a:lstStyle/>
+          <a:p>
+            <a:fld id="{27D5DCA7-69E1-4DC8-84E2-705DAE616C7E}" type="slidenum">
+              <a:rPr lang="en-US" smtClean="0"/>
+              <a:t>11</a:t>
+            </a:fld>
+            <a:endParaRPr lang="en-US"/>
+          </a:p>
+        </p:txBody>
+      </p:sp>
+    </p:spTree>
+    <p:extLst>
+      <p:ext uri="{BB962C8B-B14F-4D97-AF65-F5344CB8AC3E}">
+        <p14:creationId xmlns:p14="http://schemas.microsoft.com/office/powerpoint/2010/main" val="1240614666"/>
+      </p:ext>
+    </p:extLst>
+  </p:cSld>
+  <p:clrMapOvr>
+    <a:masterClrMapping/>
+  </p:clrMapOvr>
+</p:notes>
+</file>
+
+<file path=ppt/notesSlides/notesSlide12.xml><?xml version="1.0" encoding="utf-8"?>
+<p:notes xmlns:a="http://schemas.openxmlformats.org/drawingml/2006/main" xmlns:r="http://schemas.openxmlformats.org/officeDocument/2006/relationships" xmlns:p="http://schemas.openxmlformats.org/presentationml/2006/main">
+  <p:cSld>
+    <p:spTree>
+      <p:nvGrpSpPr>
+        <p:cNvPr id="1" name=""/>
+        <p:cNvGrpSpPr/>
+        <p:nvPr/>
+      </p:nvGrpSpPr>
+      <p:grpSpPr>
+        <a:xfrm>
+          <a:off x="0" y="0"/>
+          <a:ext cx="0" cy="0"/>
+          <a:chOff x="0" y="0"/>
+          <a:chExt cx="0" cy="0"/>
+        </a:xfrm>
+      </p:grpSpPr>
+      <p:sp>
+        <p:nvSpPr>
+          <p:cNvPr id="2" name="Slide Image Placeholder 1"/>
+          <p:cNvSpPr>
+            <a:spLocks noGrp="1" noRot="1" noChangeAspect="1"/>
+          </p:cNvSpPr>
+          <p:nvPr>
+            <p:ph type="sldImg"/>
+          </p:nvPr>
+        </p:nvSpPr>
+        <p:spPr/>
+      </p:sp>
+      <p:sp>
+        <p:nvSpPr>
+          <p:cNvPr id="3" name="Notes Placeholder 2"/>
+          <p:cNvSpPr>
+            <a:spLocks noGrp="1"/>
+          </p:cNvSpPr>
+          <p:nvPr>
+            <p:ph type="body" idx="1"/>
+          </p:nvPr>
+        </p:nvSpPr>
+        <p:spPr/>
+        <p:txBody>
+          <a:bodyPr/>
+          <a:lstStyle/>
+          <a:p>
+            <a:endParaRPr lang="en-US"/>
+          </a:p>
+        </p:txBody>
+      </p:sp>
+      <p:sp>
+        <p:nvSpPr>
+          <p:cNvPr id="4" name="Slide Number Placeholder 3"/>
+          <p:cNvSpPr>
+            <a:spLocks noGrp="1"/>
+          </p:cNvSpPr>
+          <p:nvPr>
+            <p:ph type="sldNum" sz="quarter" idx="10"/>
+          </p:nvPr>
+        </p:nvSpPr>
+        <p:spPr/>
+        <p:txBody>
+          <a:bodyPr/>
+          <a:lstStyle/>
+          <a:p>
+            <a:fld id="{27D5DCA7-69E1-4DC8-84E2-705DAE616C7E}" type="slidenum">
+              <a:rPr lang="en-US" smtClean="0"/>
+              <a:t>12</a:t>
+            </a:fld>
+            <a:endParaRPr lang="en-US"/>
+          </a:p>
+        </p:txBody>
+      </p:sp>
+    </p:spTree>
+    <p:extLst>
+      <p:ext uri="{BB962C8B-B14F-4D97-AF65-F5344CB8AC3E}">
+        <p14:creationId xmlns:p14="http://schemas.microsoft.com/office/powerpoint/2010/main" val="4151150145"/>
+      </p:ext>
+    </p:extLst>
+  </p:cSld>
+  <p:clrMapOvr>
+    <a:masterClrMapping/>
+  </p:clrMapOvr>
+</p:notes>
+</file>
+
 <file path=ppt/notesSlides/notesSlide2.xml><?xml version="1.0" encoding="utf-8"?>
 <p:notes xmlns:a="http://schemas.openxmlformats.org/drawingml/2006/main" xmlns:r="http://schemas.openxmlformats.org/officeDocument/2006/relationships" xmlns:p="http://schemas.openxmlformats.org/presentationml/2006/main">
   <p:cSld>
@@ -625,7 +877,7 @@
           <a:p>
             <a:fld id="{27D5DCA7-69E1-4DC8-84E2-705DAE616C7E}" type="slidenum">
               <a:rPr lang="en-US" smtClean="0"/>
-              <a:t>3</a:t>
+              <a:t>2</a:t>
             </a:fld>
             <a:endParaRPr lang="en-US"/>
           </a:p>
@@ -634,7 +886,7 @@
     </p:spTree>
     <p:extLst>
       <p:ext uri="{BB962C8B-B14F-4D97-AF65-F5344CB8AC3E}">
-        <p14:creationId xmlns:p14="http://schemas.microsoft.com/office/powerpoint/2010/main" val="2814070848"/>
+        <p14:creationId xmlns:p14="http://schemas.microsoft.com/office/powerpoint/2010/main" val="4167647458"/>
       </p:ext>
     </p:extLst>
   </p:cSld>
@@ -709,6 +961,90 @@
           <a:p>
             <a:fld id="{27D5DCA7-69E1-4DC8-84E2-705DAE616C7E}" type="slidenum">
               <a:rPr lang="en-US" smtClean="0"/>
+              <a:t>3</a:t>
+            </a:fld>
+            <a:endParaRPr lang="en-US"/>
+          </a:p>
+        </p:txBody>
+      </p:sp>
+    </p:spTree>
+    <p:extLst>
+      <p:ext uri="{BB962C8B-B14F-4D97-AF65-F5344CB8AC3E}">
+        <p14:creationId xmlns:p14="http://schemas.microsoft.com/office/powerpoint/2010/main" val="2814070848"/>
+      </p:ext>
+    </p:extLst>
+  </p:cSld>
+  <p:clrMapOvr>
+    <a:masterClrMapping/>
+  </p:clrMapOvr>
+</p:notes>
+</file>
+
+<file path=ppt/notesSlides/notesSlide4.xml><?xml version="1.0" encoding="utf-8"?>
+<p:notes xmlns:a="http://schemas.openxmlformats.org/drawingml/2006/main" xmlns:r="http://schemas.openxmlformats.org/officeDocument/2006/relationships" xmlns:p="http://schemas.openxmlformats.org/presentationml/2006/main">
+  <p:cSld>
+    <p:spTree>
+      <p:nvGrpSpPr>
+        <p:cNvPr id="1" name=""/>
+        <p:cNvGrpSpPr/>
+        <p:nvPr/>
+      </p:nvGrpSpPr>
+      <p:grpSpPr>
+        <a:xfrm>
+          <a:off x="0" y="0"/>
+          <a:ext cx="0" cy="0"/>
+          <a:chOff x="0" y="0"/>
+          <a:chExt cx="0" cy="0"/>
+        </a:xfrm>
+      </p:grpSpPr>
+      <p:sp>
+        <p:nvSpPr>
+          <p:cNvPr id="2" name="Slide Image Placeholder 1"/>
+          <p:cNvSpPr>
+            <a:spLocks noGrp="1" noRot="1" noChangeAspect="1"/>
+          </p:cNvSpPr>
+          <p:nvPr>
+            <p:ph type="sldImg"/>
+          </p:nvPr>
+        </p:nvSpPr>
+        <p:spPr/>
+      </p:sp>
+      <p:sp>
+        <p:nvSpPr>
+          <p:cNvPr id="3" name="Notes Placeholder 2"/>
+          <p:cNvSpPr>
+            <a:spLocks noGrp="1"/>
+          </p:cNvSpPr>
+          <p:nvPr>
+            <p:ph type="body" idx="1"/>
+          </p:nvPr>
+        </p:nvSpPr>
+        <p:spPr/>
+        <p:txBody>
+          <a:bodyPr/>
+          <a:lstStyle/>
+          <a:p>
+            <a:endParaRPr lang="en-US"/>
+          </a:p>
+        </p:txBody>
+      </p:sp>
+      <p:sp>
+        <p:nvSpPr>
+          <p:cNvPr id="4" name="Slide Number Placeholder 3"/>
+          <p:cNvSpPr>
+            <a:spLocks noGrp="1"/>
+          </p:cNvSpPr>
+          <p:nvPr>
+            <p:ph type="sldNum" sz="quarter" idx="10"/>
+          </p:nvPr>
+        </p:nvSpPr>
+        <p:spPr/>
+        <p:txBody>
+          <a:bodyPr/>
+          <a:lstStyle/>
+          <a:p>
+            <a:fld id="{27D5DCA7-69E1-4DC8-84E2-705DAE616C7E}" type="slidenum">
+              <a:rPr lang="en-US" smtClean="0"/>
               <a:t>4</a:t>
             </a:fld>
             <a:endParaRPr lang="en-US"/>
@@ -719,6 +1055,426 @@
     <p:extLst>
       <p:ext uri="{BB962C8B-B14F-4D97-AF65-F5344CB8AC3E}">
         <p14:creationId xmlns:p14="http://schemas.microsoft.com/office/powerpoint/2010/main" val="1009849104"/>
+      </p:ext>
+    </p:extLst>
+  </p:cSld>
+  <p:clrMapOvr>
+    <a:masterClrMapping/>
+  </p:clrMapOvr>
+</p:notes>
+</file>
+
+<file path=ppt/notesSlides/notesSlide5.xml><?xml version="1.0" encoding="utf-8"?>
+<p:notes xmlns:a="http://schemas.openxmlformats.org/drawingml/2006/main" xmlns:r="http://schemas.openxmlformats.org/officeDocument/2006/relationships" xmlns:p="http://schemas.openxmlformats.org/presentationml/2006/main">
+  <p:cSld>
+    <p:spTree>
+      <p:nvGrpSpPr>
+        <p:cNvPr id="1" name=""/>
+        <p:cNvGrpSpPr/>
+        <p:nvPr/>
+      </p:nvGrpSpPr>
+      <p:grpSpPr>
+        <a:xfrm>
+          <a:off x="0" y="0"/>
+          <a:ext cx="0" cy="0"/>
+          <a:chOff x="0" y="0"/>
+          <a:chExt cx="0" cy="0"/>
+        </a:xfrm>
+      </p:grpSpPr>
+      <p:sp>
+        <p:nvSpPr>
+          <p:cNvPr id="2" name="Slide Image Placeholder 1"/>
+          <p:cNvSpPr>
+            <a:spLocks noGrp="1" noRot="1" noChangeAspect="1"/>
+          </p:cNvSpPr>
+          <p:nvPr>
+            <p:ph type="sldImg"/>
+          </p:nvPr>
+        </p:nvSpPr>
+        <p:spPr/>
+      </p:sp>
+      <p:sp>
+        <p:nvSpPr>
+          <p:cNvPr id="3" name="Notes Placeholder 2"/>
+          <p:cNvSpPr>
+            <a:spLocks noGrp="1"/>
+          </p:cNvSpPr>
+          <p:nvPr>
+            <p:ph type="body" idx="1"/>
+          </p:nvPr>
+        </p:nvSpPr>
+        <p:spPr/>
+        <p:txBody>
+          <a:bodyPr/>
+          <a:lstStyle/>
+          <a:p>
+            <a:endParaRPr lang="en-US"/>
+          </a:p>
+        </p:txBody>
+      </p:sp>
+      <p:sp>
+        <p:nvSpPr>
+          <p:cNvPr id="4" name="Slide Number Placeholder 3"/>
+          <p:cNvSpPr>
+            <a:spLocks noGrp="1"/>
+          </p:cNvSpPr>
+          <p:nvPr>
+            <p:ph type="sldNum" sz="quarter" idx="10"/>
+          </p:nvPr>
+        </p:nvSpPr>
+        <p:spPr/>
+        <p:txBody>
+          <a:bodyPr/>
+          <a:lstStyle/>
+          <a:p>
+            <a:fld id="{27D5DCA7-69E1-4DC8-84E2-705DAE616C7E}" type="slidenum">
+              <a:rPr lang="en-US" smtClean="0"/>
+              <a:t>5</a:t>
+            </a:fld>
+            <a:endParaRPr lang="en-US"/>
+          </a:p>
+        </p:txBody>
+      </p:sp>
+    </p:spTree>
+    <p:extLst>
+      <p:ext uri="{BB962C8B-B14F-4D97-AF65-F5344CB8AC3E}">
+        <p14:creationId xmlns:p14="http://schemas.microsoft.com/office/powerpoint/2010/main" val="447974835"/>
+      </p:ext>
+    </p:extLst>
+  </p:cSld>
+  <p:clrMapOvr>
+    <a:masterClrMapping/>
+  </p:clrMapOvr>
+</p:notes>
+</file>
+
+<file path=ppt/notesSlides/notesSlide6.xml><?xml version="1.0" encoding="utf-8"?>
+<p:notes xmlns:a="http://schemas.openxmlformats.org/drawingml/2006/main" xmlns:r="http://schemas.openxmlformats.org/officeDocument/2006/relationships" xmlns:p="http://schemas.openxmlformats.org/presentationml/2006/main">
+  <p:cSld>
+    <p:spTree>
+      <p:nvGrpSpPr>
+        <p:cNvPr id="1" name=""/>
+        <p:cNvGrpSpPr/>
+        <p:nvPr/>
+      </p:nvGrpSpPr>
+      <p:grpSpPr>
+        <a:xfrm>
+          <a:off x="0" y="0"/>
+          <a:ext cx="0" cy="0"/>
+          <a:chOff x="0" y="0"/>
+          <a:chExt cx="0" cy="0"/>
+        </a:xfrm>
+      </p:grpSpPr>
+      <p:sp>
+        <p:nvSpPr>
+          <p:cNvPr id="2" name="Slide Image Placeholder 1"/>
+          <p:cNvSpPr>
+            <a:spLocks noGrp="1" noRot="1" noChangeAspect="1"/>
+          </p:cNvSpPr>
+          <p:nvPr>
+            <p:ph type="sldImg"/>
+          </p:nvPr>
+        </p:nvSpPr>
+        <p:spPr/>
+      </p:sp>
+      <p:sp>
+        <p:nvSpPr>
+          <p:cNvPr id="3" name="Notes Placeholder 2"/>
+          <p:cNvSpPr>
+            <a:spLocks noGrp="1"/>
+          </p:cNvSpPr>
+          <p:nvPr>
+            <p:ph type="body" idx="1"/>
+          </p:nvPr>
+        </p:nvSpPr>
+        <p:spPr/>
+        <p:txBody>
+          <a:bodyPr/>
+          <a:lstStyle/>
+          <a:p>
+            <a:endParaRPr lang="en-US"/>
+          </a:p>
+        </p:txBody>
+      </p:sp>
+      <p:sp>
+        <p:nvSpPr>
+          <p:cNvPr id="4" name="Slide Number Placeholder 3"/>
+          <p:cNvSpPr>
+            <a:spLocks noGrp="1"/>
+          </p:cNvSpPr>
+          <p:nvPr>
+            <p:ph type="sldNum" sz="quarter" idx="10"/>
+          </p:nvPr>
+        </p:nvSpPr>
+        <p:spPr/>
+        <p:txBody>
+          <a:bodyPr/>
+          <a:lstStyle/>
+          <a:p>
+            <a:fld id="{27D5DCA7-69E1-4DC8-84E2-705DAE616C7E}" type="slidenum">
+              <a:rPr lang="en-US" smtClean="0"/>
+              <a:t>6</a:t>
+            </a:fld>
+            <a:endParaRPr lang="en-US"/>
+          </a:p>
+        </p:txBody>
+      </p:sp>
+    </p:spTree>
+    <p:extLst>
+      <p:ext uri="{BB962C8B-B14F-4D97-AF65-F5344CB8AC3E}">
+        <p14:creationId xmlns:p14="http://schemas.microsoft.com/office/powerpoint/2010/main" val="3403692765"/>
+      </p:ext>
+    </p:extLst>
+  </p:cSld>
+  <p:clrMapOvr>
+    <a:masterClrMapping/>
+  </p:clrMapOvr>
+</p:notes>
+</file>
+
+<file path=ppt/notesSlides/notesSlide7.xml><?xml version="1.0" encoding="utf-8"?>
+<p:notes xmlns:a="http://schemas.openxmlformats.org/drawingml/2006/main" xmlns:r="http://schemas.openxmlformats.org/officeDocument/2006/relationships" xmlns:p="http://schemas.openxmlformats.org/presentationml/2006/main">
+  <p:cSld>
+    <p:spTree>
+      <p:nvGrpSpPr>
+        <p:cNvPr id="1" name=""/>
+        <p:cNvGrpSpPr/>
+        <p:nvPr/>
+      </p:nvGrpSpPr>
+      <p:grpSpPr>
+        <a:xfrm>
+          <a:off x="0" y="0"/>
+          <a:ext cx="0" cy="0"/>
+          <a:chOff x="0" y="0"/>
+          <a:chExt cx="0" cy="0"/>
+        </a:xfrm>
+      </p:grpSpPr>
+      <p:sp>
+        <p:nvSpPr>
+          <p:cNvPr id="2" name="Slide Image Placeholder 1"/>
+          <p:cNvSpPr>
+            <a:spLocks noGrp="1" noRot="1" noChangeAspect="1"/>
+          </p:cNvSpPr>
+          <p:nvPr>
+            <p:ph type="sldImg"/>
+          </p:nvPr>
+        </p:nvSpPr>
+        <p:spPr/>
+      </p:sp>
+      <p:sp>
+        <p:nvSpPr>
+          <p:cNvPr id="3" name="Notes Placeholder 2"/>
+          <p:cNvSpPr>
+            <a:spLocks noGrp="1"/>
+          </p:cNvSpPr>
+          <p:nvPr>
+            <p:ph type="body" idx="1"/>
+          </p:nvPr>
+        </p:nvSpPr>
+        <p:spPr/>
+        <p:txBody>
+          <a:bodyPr/>
+          <a:lstStyle/>
+          <a:p>
+            <a:endParaRPr lang="en-US"/>
+          </a:p>
+        </p:txBody>
+      </p:sp>
+      <p:sp>
+        <p:nvSpPr>
+          <p:cNvPr id="4" name="Slide Number Placeholder 3"/>
+          <p:cNvSpPr>
+            <a:spLocks noGrp="1"/>
+          </p:cNvSpPr>
+          <p:nvPr>
+            <p:ph type="sldNum" sz="quarter" idx="10"/>
+          </p:nvPr>
+        </p:nvSpPr>
+        <p:spPr/>
+        <p:txBody>
+          <a:bodyPr/>
+          <a:lstStyle/>
+          <a:p>
+            <a:fld id="{27D5DCA7-69E1-4DC8-84E2-705DAE616C7E}" type="slidenum">
+              <a:rPr lang="en-US" smtClean="0"/>
+              <a:t>7</a:t>
+            </a:fld>
+            <a:endParaRPr lang="en-US"/>
+          </a:p>
+        </p:txBody>
+      </p:sp>
+    </p:spTree>
+    <p:extLst>
+      <p:ext uri="{BB962C8B-B14F-4D97-AF65-F5344CB8AC3E}">
+        <p14:creationId xmlns:p14="http://schemas.microsoft.com/office/powerpoint/2010/main" val="2265190672"/>
+      </p:ext>
+    </p:extLst>
+  </p:cSld>
+  <p:clrMapOvr>
+    <a:masterClrMapping/>
+  </p:clrMapOvr>
+</p:notes>
+</file>
+
+<file path=ppt/notesSlides/notesSlide8.xml><?xml version="1.0" encoding="utf-8"?>
+<p:notes xmlns:a="http://schemas.openxmlformats.org/drawingml/2006/main" xmlns:r="http://schemas.openxmlformats.org/officeDocument/2006/relationships" xmlns:p="http://schemas.openxmlformats.org/presentationml/2006/main">
+  <p:cSld>
+    <p:spTree>
+      <p:nvGrpSpPr>
+        <p:cNvPr id="1" name=""/>
+        <p:cNvGrpSpPr/>
+        <p:nvPr/>
+      </p:nvGrpSpPr>
+      <p:grpSpPr>
+        <a:xfrm>
+          <a:off x="0" y="0"/>
+          <a:ext cx="0" cy="0"/>
+          <a:chOff x="0" y="0"/>
+          <a:chExt cx="0" cy="0"/>
+        </a:xfrm>
+      </p:grpSpPr>
+      <p:sp>
+        <p:nvSpPr>
+          <p:cNvPr id="2" name="Slide Image Placeholder 1"/>
+          <p:cNvSpPr>
+            <a:spLocks noGrp="1" noRot="1" noChangeAspect="1"/>
+          </p:cNvSpPr>
+          <p:nvPr>
+            <p:ph type="sldImg"/>
+          </p:nvPr>
+        </p:nvSpPr>
+        <p:spPr/>
+      </p:sp>
+      <p:sp>
+        <p:nvSpPr>
+          <p:cNvPr id="3" name="Notes Placeholder 2"/>
+          <p:cNvSpPr>
+            <a:spLocks noGrp="1"/>
+          </p:cNvSpPr>
+          <p:nvPr>
+            <p:ph type="body" idx="1"/>
+          </p:nvPr>
+        </p:nvSpPr>
+        <p:spPr/>
+        <p:txBody>
+          <a:bodyPr/>
+          <a:lstStyle/>
+          <a:p>
+            <a:endParaRPr lang="en-US"/>
+          </a:p>
+        </p:txBody>
+      </p:sp>
+      <p:sp>
+        <p:nvSpPr>
+          <p:cNvPr id="4" name="Slide Number Placeholder 3"/>
+          <p:cNvSpPr>
+            <a:spLocks noGrp="1"/>
+          </p:cNvSpPr>
+          <p:nvPr>
+            <p:ph type="sldNum" sz="quarter" idx="10"/>
+          </p:nvPr>
+        </p:nvSpPr>
+        <p:spPr/>
+        <p:txBody>
+          <a:bodyPr/>
+          <a:lstStyle/>
+          <a:p>
+            <a:fld id="{27D5DCA7-69E1-4DC8-84E2-705DAE616C7E}" type="slidenum">
+              <a:rPr lang="en-US" smtClean="0"/>
+              <a:t>8</a:t>
+            </a:fld>
+            <a:endParaRPr lang="en-US"/>
+          </a:p>
+        </p:txBody>
+      </p:sp>
+    </p:spTree>
+    <p:extLst>
+      <p:ext uri="{BB962C8B-B14F-4D97-AF65-F5344CB8AC3E}">
+        <p14:creationId xmlns:p14="http://schemas.microsoft.com/office/powerpoint/2010/main" val="2168654487"/>
+      </p:ext>
+    </p:extLst>
+  </p:cSld>
+  <p:clrMapOvr>
+    <a:masterClrMapping/>
+  </p:clrMapOvr>
+</p:notes>
+</file>
+
+<file path=ppt/notesSlides/notesSlide9.xml><?xml version="1.0" encoding="utf-8"?>
+<p:notes xmlns:a="http://schemas.openxmlformats.org/drawingml/2006/main" xmlns:r="http://schemas.openxmlformats.org/officeDocument/2006/relationships" xmlns:p="http://schemas.openxmlformats.org/presentationml/2006/main">
+  <p:cSld>
+    <p:spTree>
+      <p:nvGrpSpPr>
+        <p:cNvPr id="1" name=""/>
+        <p:cNvGrpSpPr/>
+        <p:nvPr/>
+      </p:nvGrpSpPr>
+      <p:grpSpPr>
+        <a:xfrm>
+          <a:off x="0" y="0"/>
+          <a:ext cx="0" cy="0"/>
+          <a:chOff x="0" y="0"/>
+          <a:chExt cx="0" cy="0"/>
+        </a:xfrm>
+      </p:grpSpPr>
+      <p:sp>
+        <p:nvSpPr>
+          <p:cNvPr id="2" name="Slide Image Placeholder 1"/>
+          <p:cNvSpPr>
+            <a:spLocks noGrp="1" noRot="1" noChangeAspect="1"/>
+          </p:cNvSpPr>
+          <p:nvPr>
+            <p:ph type="sldImg"/>
+          </p:nvPr>
+        </p:nvSpPr>
+        <p:spPr/>
+      </p:sp>
+      <p:sp>
+        <p:nvSpPr>
+          <p:cNvPr id="3" name="Notes Placeholder 2"/>
+          <p:cNvSpPr>
+            <a:spLocks noGrp="1"/>
+          </p:cNvSpPr>
+          <p:nvPr>
+            <p:ph type="body" idx="1"/>
+          </p:nvPr>
+        </p:nvSpPr>
+        <p:spPr/>
+        <p:txBody>
+          <a:bodyPr/>
+          <a:lstStyle/>
+          <a:p>
+            <a:endParaRPr lang="en-US"/>
+          </a:p>
+        </p:txBody>
+      </p:sp>
+      <p:sp>
+        <p:nvSpPr>
+          <p:cNvPr id="4" name="Slide Number Placeholder 3"/>
+          <p:cNvSpPr>
+            <a:spLocks noGrp="1"/>
+          </p:cNvSpPr>
+          <p:nvPr>
+            <p:ph type="sldNum" sz="quarter" idx="10"/>
+          </p:nvPr>
+        </p:nvSpPr>
+        <p:spPr/>
+        <p:txBody>
+          <a:bodyPr/>
+          <a:lstStyle/>
+          <a:p>
+            <a:fld id="{27D5DCA7-69E1-4DC8-84E2-705DAE616C7E}" type="slidenum">
+              <a:rPr lang="en-US" smtClean="0"/>
+              <a:t>9</a:t>
+            </a:fld>
+            <a:endParaRPr lang="en-US"/>
+          </a:p>
+        </p:txBody>
+      </p:sp>
+    </p:spTree>
+    <p:extLst>
+      <p:ext uri="{BB962C8B-B14F-4D97-AF65-F5344CB8AC3E}">
+        <p14:creationId xmlns:p14="http://schemas.microsoft.com/office/powerpoint/2010/main" val="2105608135"/>
       </p:ext>
     </p:extLst>
   </p:cSld>
@@ -898,7 +1654,7 @@
             <a:fld id="{87DE6118-2437-4B30-8E3C-4D2BE6020583}" type="datetimeFigureOut">
               <a:rPr lang="en-US" dirty="0"/>
               <a:pPr/>
-              <a:t>1/12/2017</a:t>
+              <a:t>1/13/2017</a:t>
             </a:fld>
             <a:endParaRPr lang="en-US" dirty="0"/>
           </a:p>
@@ -1224,7 +1980,7 @@
           <a:p>
             <a:fld id="{87DE6118-2437-4B30-8E3C-4D2BE6020583}" type="datetimeFigureOut">
               <a:rPr lang="en-US" dirty="0"/>
-              <a:t>1/12/2017</a:t>
+              <a:t>1/13/2017</a:t>
             </a:fld>
             <a:endParaRPr lang="en-US" dirty="0"/>
           </a:p>
@@ -1399,7 +2155,7 @@
           <a:p>
             <a:fld id="{87DE6118-2437-4B30-8E3C-4D2BE6020583}" type="datetimeFigureOut">
               <a:rPr lang="en-US" dirty="0"/>
-              <a:t>1/12/2017</a:t>
+              <a:t>1/13/2017</a:t>
             </a:fld>
             <a:endParaRPr lang="en-US" dirty="0"/>
           </a:p>
@@ -1564,7 +2320,7 @@
           <a:p>
             <a:fld id="{87DE6118-2437-4B30-8E3C-4D2BE6020583}" type="datetimeFigureOut">
               <a:rPr lang="en-US" dirty="0"/>
-              <a:t>1/12/2017</a:t>
+              <a:t>1/13/2017</a:t>
             </a:fld>
             <a:endParaRPr lang="en-US" dirty="0"/>
           </a:p>
@@ -1837,7 +2593,7 @@
             <a:fld id="{87DE6118-2437-4B30-8E3C-4D2BE6020583}" type="datetimeFigureOut">
               <a:rPr lang="en-US" dirty="0"/>
               <a:pPr/>
-              <a:t>1/12/2017</a:t>
+              <a:t>1/13/2017</a:t>
             </a:fld>
             <a:endParaRPr lang="en-US" dirty="0"/>
           </a:p>
@@ -2227,7 +2983,7 @@
           <a:p>
             <a:fld id="{87DE6118-2437-4B30-8E3C-4D2BE6020583}" type="datetimeFigureOut">
               <a:rPr lang="en-US" dirty="0"/>
-              <a:t>1/12/2017</a:t>
+              <a:t>1/13/2017</a:t>
             </a:fld>
             <a:endParaRPr lang="en-US" dirty="0"/>
           </a:p>
@@ -2699,7 +3455,7 @@
           <a:p>
             <a:fld id="{87DE6118-2437-4B30-8E3C-4D2BE6020583}" type="datetimeFigureOut">
               <a:rPr lang="en-US" dirty="0"/>
-              <a:t>1/12/2017</a:t>
+              <a:t>1/13/2017</a:t>
             </a:fld>
             <a:endParaRPr lang="en-US" dirty="0"/>
           </a:p>
@@ -2812,7 +3568,7 @@
           <a:p>
             <a:fld id="{87DE6118-2437-4B30-8E3C-4D2BE6020583}" type="datetimeFigureOut">
               <a:rPr lang="en-US" dirty="0"/>
-              <a:t>1/12/2017</a:t>
+              <a:t>1/13/2017</a:t>
             </a:fld>
             <a:endParaRPr lang="en-US" dirty="0"/>
           </a:p>
@@ -2902,7 +3658,7 @@
           <a:p>
             <a:fld id="{87DE6118-2437-4B30-8E3C-4D2BE6020583}" type="datetimeFigureOut">
               <a:rPr lang="en-US" dirty="0"/>
-              <a:t>1/12/2017</a:t>
+              <a:t>1/13/2017</a:t>
             </a:fld>
             <a:endParaRPr lang="en-US" dirty="0"/>
           </a:p>
@@ -3244,7 +4000,7 @@
             <a:fld id="{87DE6118-2437-4B30-8E3C-4D2BE6020583}" type="datetimeFigureOut">
               <a:rPr lang="en-US" dirty="0"/>
               <a:pPr/>
-              <a:t>1/12/2017</a:t>
+              <a:t>1/13/2017</a:t>
             </a:fld>
             <a:endParaRPr lang="en-US" dirty="0"/>
           </a:p>
@@ -3629,7 +4385,7 @@
             <a:fld id="{87DE6118-2437-4B30-8E3C-4D2BE6020583}" type="datetimeFigureOut">
               <a:rPr lang="en-US" dirty="0"/>
               <a:pPr/>
-              <a:t>1/12/2017</a:t>
+              <a:t>1/13/2017</a:t>
             </a:fld>
             <a:endParaRPr lang="en-US" dirty="0"/>
           </a:p>
@@ -3904,7 +4660,7 @@
             <a:fld id="{87DE6118-2437-4B30-8E3C-4D2BE6020583}" type="datetimeFigureOut">
               <a:rPr lang="en-US" dirty="0"/>
               <a:pPr/>
-              <a:t>1/12/2017</a:t>
+              <a:t>1/13/2017</a:t>
             </a:fld>
             <a:endParaRPr lang="en-US" dirty="0"/>
           </a:p>
@@ -4488,8 +5244,8 @@
         </p:nvSpPr>
         <p:spPr>
           <a:xfrm>
-            <a:off x="2679906" y="3582790"/>
-            <a:ext cx="6831673" cy="1813458"/>
+            <a:off x="1915128" y="3564705"/>
+            <a:ext cx="6831673" cy="1880192"/>
           </a:xfrm>
         </p:spPr>
         <p:txBody>
@@ -4498,109 +5254,172 @@
           </a:bodyPr>
           <a:lstStyle/>
           <a:p>
-            <a:r>
-              <a:rPr lang="en-US" sz="1800" dirty="0" smtClean="0"/>
+            <a:pPr algn="l"/>
+            <a:r>
+              <a:rPr lang="en-US" sz="2000" dirty="0" smtClean="0"/>
               <a:t>Eric </a:t>
             </a:r>
             <a:r>
-              <a:rPr lang="en-US" sz="1800" dirty="0" smtClean="0"/>
-              <a:t>Suwarno (121402071)</a:t>
-            </a:r>
-            <a:endParaRPr lang="en-US" sz="1800" dirty="0" smtClean="0"/>
-          </a:p>
-          <a:p>
-            <a:r>
-              <a:rPr lang="en-US" sz="1800" dirty="0" smtClean="0"/>
+              <a:rPr lang="en-US" sz="2000" smtClean="0"/>
+              <a:t>Suwarno </a:t>
+            </a:r>
+            <a:r>
+              <a:rPr lang="en-US" sz="2000" smtClean="0"/>
+              <a:t>- 121402071</a:t>
+            </a:r>
+            <a:endParaRPr lang="en-US" sz="2000" dirty="0" smtClean="0"/>
+          </a:p>
+          <a:p>
+            <a:pPr algn="l"/>
+            <a:r>
+              <a:rPr lang="en-US" sz="2000" dirty="0" smtClean="0"/>
               <a:t>Program </a:t>
             </a:r>
             <a:r>
-              <a:rPr lang="en-US" sz="1800" dirty="0" err="1" smtClean="0"/>
+              <a:rPr lang="en-US" sz="2000" dirty="0" err="1" smtClean="0"/>
               <a:t>Studi</a:t>
             </a:r>
             <a:r>
-              <a:rPr lang="en-US" sz="1800" dirty="0" smtClean="0"/>
+              <a:rPr lang="en-US" sz="2000" dirty="0" smtClean="0"/>
               <a:t> </a:t>
             </a:r>
             <a:r>
-              <a:rPr lang="en-US" sz="1800" dirty="0" err="1" smtClean="0"/>
+              <a:rPr lang="en-US" sz="2000" dirty="0" err="1" smtClean="0"/>
               <a:t>Teknologi</a:t>
             </a:r>
             <a:r>
-              <a:rPr lang="en-US" sz="1800" dirty="0" smtClean="0"/>
+              <a:rPr lang="en-US" sz="2000" dirty="0" smtClean="0"/>
               <a:t> </a:t>
             </a:r>
             <a:r>
-              <a:rPr lang="en-US" sz="1800" dirty="0" err="1" smtClean="0"/>
+              <a:rPr lang="en-US" sz="2000" dirty="0" err="1" smtClean="0"/>
               <a:t>Informasi</a:t>
             </a:r>
-            <a:endParaRPr lang="en-US" sz="1800" dirty="0" smtClean="0"/>
-          </a:p>
-          <a:p>
-            <a:r>
-              <a:rPr lang="en-US" sz="1800" dirty="0" err="1" smtClean="0"/>
+            <a:endParaRPr lang="en-US" sz="2000" dirty="0" smtClean="0"/>
+          </a:p>
+          <a:p>
+            <a:pPr algn="l"/>
+            <a:r>
+              <a:rPr lang="en-US" sz="2000" dirty="0" err="1" smtClean="0"/>
               <a:t>Fakultas</a:t>
             </a:r>
             <a:r>
-              <a:rPr lang="en-US" sz="1800" dirty="0" smtClean="0"/>
+              <a:rPr lang="en-US" sz="2000" dirty="0" smtClean="0"/>
               <a:t> </a:t>
             </a:r>
             <a:r>
-              <a:rPr lang="en-US" sz="1800" dirty="0" err="1" smtClean="0"/>
+              <a:rPr lang="en-US" sz="2000" dirty="0" err="1" smtClean="0"/>
               <a:t>Ilmu</a:t>
             </a:r>
             <a:r>
-              <a:rPr lang="en-US" sz="1800" dirty="0" smtClean="0"/>
+              <a:rPr lang="en-US" sz="2000" dirty="0" smtClean="0"/>
               <a:t> </a:t>
             </a:r>
             <a:r>
-              <a:rPr lang="en-US" sz="1800" dirty="0" err="1" smtClean="0"/>
+              <a:rPr lang="en-US" sz="2000" dirty="0" err="1" smtClean="0"/>
               <a:t>Komputer</a:t>
             </a:r>
             <a:r>
-              <a:rPr lang="en-US" sz="1800" dirty="0" smtClean="0"/>
+              <a:rPr lang="en-US" sz="2000" dirty="0" smtClean="0"/>
               <a:t> </a:t>
             </a:r>
             <a:r>
-              <a:rPr lang="en-US" sz="1800" dirty="0" err="1" smtClean="0"/>
+              <a:rPr lang="en-US" sz="2000" dirty="0" err="1" smtClean="0"/>
               <a:t>dan</a:t>
             </a:r>
             <a:r>
-              <a:rPr lang="en-US" sz="1800" dirty="0" smtClean="0"/>
+              <a:rPr lang="en-US" sz="2000" dirty="0" smtClean="0"/>
               <a:t> </a:t>
             </a:r>
             <a:r>
-              <a:rPr lang="en-US" sz="1800" dirty="0" err="1" smtClean="0"/>
+              <a:rPr lang="en-US" sz="2000" dirty="0" err="1" smtClean="0"/>
               <a:t>Teknologi</a:t>
             </a:r>
             <a:r>
-              <a:rPr lang="en-US" sz="1800" dirty="0" smtClean="0"/>
+              <a:rPr lang="en-US" sz="2000" dirty="0" smtClean="0"/>
               <a:t> </a:t>
             </a:r>
             <a:r>
-              <a:rPr lang="en-US" sz="1800" dirty="0" err="1" smtClean="0"/>
+              <a:rPr lang="en-US" sz="2000" dirty="0" err="1" smtClean="0"/>
               <a:t>Informasi</a:t>
             </a:r>
-            <a:endParaRPr lang="en-US" sz="1800" dirty="0" smtClean="0"/>
-          </a:p>
-          <a:p>
-            <a:r>
-              <a:rPr lang="en-US" sz="1800" dirty="0" err="1" smtClean="0"/>
+            <a:endParaRPr lang="en-US" sz="2000" dirty="0" smtClean="0"/>
+          </a:p>
+          <a:p>
+            <a:pPr algn="l"/>
+            <a:r>
+              <a:rPr lang="en-US" sz="2000" dirty="0" err="1" smtClean="0"/>
               <a:t>Universitas</a:t>
             </a:r>
             <a:r>
-              <a:rPr lang="en-US" sz="1800" dirty="0" smtClean="0"/>
+              <a:rPr lang="en-US" sz="2000" dirty="0" smtClean="0"/>
               <a:t> Sumatera Utara</a:t>
             </a:r>
           </a:p>
           <a:p>
-            <a:r>
-              <a:rPr lang="en-US" sz="1800" dirty="0" smtClean="0"/>
+            <a:pPr algn="l"/>
+            <a:r>
+              <a:rPr lang="en-US" sz="2000" dirty="0" smtClean="0"/>
               <a:t>Medan</a:t>
             </a:r>
-            <a:endParaRPr lang="en-US" sz="1800" dirty="0"/>
-          </a:p>
-        </p:txBody>
-      </p:sp>
+            <a:endParaRPr lang="en-US" sz="2000" dirty="0"/>
+          </a:p>
+        </p:txBody>
+      </p:sp>
+      <p:pic>
+        <p:nvPicPr>
+          <p:cNvPr id="4" name="Picture 3"/>
+          <p:cNvPicPr>
+            <a:picLocks noChangeAspect="1"/>
+          </p:cNvPicPr>
+          <p:nvPr/>
+        </p:nvPicPr>
+        <p:blipFill>
+          <a:blip r:embed="rId3">
+            <a:extLst>
+              <a:ext uri="{28A0092B-C50C-407E-A947-70E740481C1C}">
+                <a14:useLocalDpi xmlns:a14="http://schemas.microsoft.com/office/drawing/2010/main" val="0"/>
+              </a:ext>
+            </a:extLst>
+          </a:blip>
+          <a:srcRect/>
+          <a:stretch>
+            <a:fillRect/>
+          </a:stretch>
+        </p:blipFill>
+        <p:spPr bwMode="auto">
+          <a:xfrm>
+            <a:off x="8352578" y="3497971"/>
+            <a:ext cx="1923779" cy="1946926"/>
+          </a:xfrm>
+          <a:prstGeom prst="rect">
+            <a:avLst/>
+          </a:prstGeom>
+          <a:noFill/>
+          <a:ln>
+            <a:noFill/>
+          </a:ln>
+          <a:extLst>
+            <a:ext uri="{909E8E84-426E-40DD-AFC4-6F175D3DCCD1}">
+              <a14:hiddenFill xmlns:a14="http://schemas.microsoft.com/office/drawing/2010/main">
+                <a:solidFill>
+                  <a:srgbClr val="FFFFFF"/>
+                </a:solidFill>
+              </a14:hiddenFill>
+            </a:ext>
+            <a:ext uri="{91240B29-F687-4F45-9708-019B960494DF}">
+              <a14:hiddenLine xmlns:a14="http://schemas.microsoft.com/office/drawing/2010/main" w="9525">
+                <a:solidFill>
+                  <a:srgbClr val="000000"/>
+                </a:solidFill>
+                <a:miter lim="800000"/>
+                <a:headEnd/>
+                <a:tailEnd/>
+              </a14:hiddenLine>
+            </a:ext>
+          </a:extLst>
+        </p:spPr>
+      </p:pic>
     </p:spTree>
     <p:extLst>
       <p:ext uri="{BB962C8B-B14F-4D97-AF65-F5344CB8AC3E}">
@@ -4777,12 +5596,12 @@
           <a:graphicData uri="http://schemas.openxmlformats.org/presentationml/2006/ole">
             <mc:AlternateContent xmlns:mc="http://schemas.openxmlformats.org/markup-compatibility/2006">
               <mc:Choice xmlns:v="urn:schemas-microsoft-com:vml" Requires="v">
-                <p:oleObj spid="_x0000_s2071" name="Visio" r:id="rId3" imgW="9963004" imgH="5686517" progId="Visio.Drawing.15">
+                <p:oleObj spid="_x0000_s2074" name="Visio" r:id="rId5" imgW="9963004" imgH="5686517" progId="Visio.Drawing.15">
                   <p:embed/>
                 </p:oleObj>
               </mc:Choice>
               <mc:Fallback>
-                <p:oleObj name="Visio" r:id="rId3" imgW="9963004" imgH="5686517" progId="Visio.Drawing.15">
+                <p:oleObj name="Visio" r:id="rId5" imgW="9963004" imgH="5686517" progId="Visio.Drawing.15">
                   <p:embed/>
                   <p:pic>
                     <p:nvPicPr>
@@ -4793,7 +5612,7 @@
                       <p:nvPr/>
                     </p:nvPicPr>
                     <p:blipFill>
-                      <a:blip r:embed="rId4"/>
+                      <a:blip r:embed="rId6"/>
                       <a:srcRect/>
                       <a:stretch>
                         <a:fillRect/>
@@ -4992,12 +5811,12 @@
           <a:graphicData uri="http://schemas.openxmlformats.org/presentationml/2006/ole">
             <mc:AlternateContent xmlns:mc="http://schemas.openxmlformats.org/markup-compatibility/2006">
               <mc:Choice xmlns:v="urn:schemas-microsoft-com:vml" Requires="v">
-                <p:oleObj spid="_x0000_s3095" name="Visio" r:id="rId3" imgW="7572574" imgH="10705985" progId="Visio.Drawing.15">
+                <p:oleObj spid="_x0000_s3098" name="Visio" r:id="rId5" imgW="7572574" imgH="10705985" progId="Visio.Drawing.15">
                   <p:embed/>
                 </p:oleObj>
               </mc:Choice>
               <mc:Fallback>
-                <p:oleObj name="Visio" r:id="rId3" imgW="7572574" imgH="10705985" progId="Visio.Drawing.15">
+                <p:oleObj name="Visio" r:id="rId5" imgW="7572574" imgH="10705985" progId="Visio.Drawing.15">
                   <p:embed/>
                   <p:pic>
                     <p:nvPicPr>
@@ -5008,7 +5827,7 @@
                       <p:nvPr/>
                     </p:nvPicPr>
                     <p:blipFill>
-                      <a:blip r:embed="rId4">
+                      <a:blip r:embed="rId6">
                         <a:extLst>
                           <a:ext uri="{28A0092B-C50C-407E-A947-70E740481C1C}">
                             <a14:useLocalDpi xmlns:a14="http://schemas.microsoft.com/office/drawing/2010/main" val="0"/>
@@ -5229,11 +6048,7 @@
           <a:p>
             <a:r>
               <a:rPr lang="id-ID" dirty="0" smtClean="0"/>
-              <a:t>Metodologi </a:t>
-            </a:r>
-            <a:r>
-              <a:rPr lang="id-ID" dirty="0" smtClean="0"/>
-              <a:t>Penelitian</a:t>
+              <a:t>Metodologi Penelitian</a:t>
             </a:r>
             <a:endParaRPr lang="en-US" dirty="0"/>
           </a:p>
@@ -7021,7 +7836,7 @@
             <p:ph idx="1"/>
             <p:extLst>
               <p:ext uri="{D42A27DB-BD31-4B8C-83A1-F6EECF244321}">
-                <p14:modId xmlns:p14="http://schemas.microsoft.com/office/powerpoint/2010/main" val="931582684"/>
+                <p14:modId xmlns:p14="http://schemas.microsoft.com/office/powerpoint/2010/main" val="2177013056"/>
               </p:ext>
             </p:extLst>
           </p:nvPr>
@@ -7145,12 +7960,15 @@
                         </a:spcAft>
                       </a:pPr>
                       <a:r>
-                        <a:rPr lang="id-ID" sz="1400">
+                        <a:rPr lang="en-US" sz="1400" dirty="0" err="1" smtClean="0">
                           <a:effectLst/>
+                          <a:latin typeface="+mn-lt"/>
+                          <a:ea typeface="+mn-ea"/>
+                          <a:cs typeface="+mn-cs"/>
                         </a:rPr>
-                        <a:t>Judul</a:t>
+                        <a:t>Penelitian</a:t>
                       </a:r>
-                      <a:endParaRPr lang="en-US" sz="1400">
+                      <a:endParaRPr lang="en-US" sz="1400" dirty="0">
                         <a:effectLst/>
                         <a:latin typeface="Times New Roman" panose="02020603050405020304" pitchFamily="18" charset="0"/>
                         <a:ea typeface="新細明體" panose="02020500000000000000" pitchFamily="18" charset="-120"/>
